--- a/documentation/Kenkre Football Club (KFC)_Updated_1.pptx
+++ b/documentation/Kenkre Football Club (KFC)_Updated_1.pptx
@@ -143,7 +143,7 @@
   </p:defaultTextStyle>
   <p:extLst>
     <p:ext uri="{EFAFB233-063F-42B5-8137-9DF3F51BA10A}">
-      <p15:sldGuideLst xmlns:p15="http://schemas.microsoft.com/office/powerpoint/2012/main" xmlns="">
+      <p15:sldGuideLst xmlns:p15="http://schemas.microsoft.com/office/powerpoint/2012/main">
         <p15:guide id="1" orient="horz" pos="2160">
           <p15:clr>
             <a:srgbClr val="A4A3A4"/>
@@ -2211,54 +2211,54 @@
     </dgm:pt>
   </dgm:ptLst>
   <dgm:cxnLst>
-    <dgm:cxn modelId="{7C0BD905-25AE-4182-ABE7-CD25CEAD4262}" srcId="{DE296A8E-8B36-468B-9A1B-5D6C5507E610}" destId="{A208EF6F-F7A0-4E80-891A-95E84F3B4461}" srcOrd="2" destOrd="0" parTransId="{AECD39E9-F90E-497B-AE68-43EECD755B9B}" sibTransId="{BEF9AB6E-DCA1-4C88-A7CB-A375155299C4}"/>
-    <dgm:cxn modelId="{8B95DD77-6F5B-4706-92B7-A28088E596D6}" type="presOf" srcId="{61B3D7FC-3F52-4F0E-8937-C15538FD9A4D}" destId="{291C6EB2-AD3C-420A-AF3F-CC037A497C7D}" srcOrd="0" destOrd="0" presId="urn:microsoft.com/office/officeart/2005/8/layout/hierarchy1"/>
-    <dgm:cxn modelId="{D337F506-9EAE-4D6A-8A8F-B10DB4484AB8}" type="presOf" srcId="{129C307A-4D6C-4D4D-BD6D-C4FACA4F855A}" destId="{D156777E-67F2-41B5-8735-46AAA5346088}" srcOrd="0" destOrd="0" presId="urn:microsoft.com/office/officeart/2005/8/layout/hierarchy1"/>
-    <dgm:cxn modelId="{C4B5D663-192C-48DB-B70F-A2AFAA289C8B}" type="presOf" srcId="{9AD6D493-7F05-49EA-8B59-0821730829BE}" destId="{DB73B931-5A69-4428-99A3-2EADB0E923DC}" srcOrd="0" destOrd="0" presId="urn:microsoft.com/office/officeart/2005/8/layout/hierarchy1"/>
-    <dgm:cxn modelId="{B6FC477A-93B1-4516-9DB1-8E797D4247FF}" type="presOf" srcId="{68DEEE07-7F5D-4A54-A0B0-36093C60665D}" destId="{23889F7E-7B2D-419F-BD23-A39A70469F81}" srcOrd="0" destOrd="0" presId="urn:microsoft.com/office/officeart/2005/8/layout/hierarchy1"/>
+    <dgm:cxn modelId="{BA520F81-DB58-4837-89C5-FC57B3BB1A65}" type="presOf" srcId="{74848587-A4F7-4634-AE70-341DCE3BC1A7}" destId="{95307ECA-471D-43F8-85FF-907D6C8716C0}" srcOrd="0" destOrd="0" presId="urn:microsoft.com/office/officeart/2005/8/layout/hierarchy1"/>
+    <dgm:cxn modelId="{5EDC44AA-E236-4466-9BC6-6F88B7542F45}" type="presOf" srcId="{C20FA1D6-7D5F-4F2D-8431-D53BC5106313}" destId="{20353346-832B-485E-ACF1-5FEC4CE85FDF}" srcOrd="0" destOrd="0" presId="urn:microsoft.com/office/officeart/2005/8/layout/hierarchy1"/>
     <dgm:cxn modelId="{9FC39B5B-1AC1-4AB2-819B-8B4AFD1FE2AE}" type="presOf" srcId="{8C759CB2-0413-4331-B336-3191937F4B1E}" destId="{CFE8DAF1-8F4F-4540-945E-DDDFF6496C70}" srcOrd="0" destOrd="0" presId="urn:microsoft.com/office/officeart/2005/8/layout/hierarchy1"/>
-    <dgm:cxn modelId="{976A3776-6853-4222-B161-237CF817208B}" type="presOf" srcId="{752A6ECB-1CFC-4C50-92BC-21115D7C1980}" destId="{324A52DB-1002-438C-9F7D-29CA94742989}" srcOrd="0" destOrd="0" presId="urn:microsoft.com/office/officeart/2005/8/layout/hierarchy1"/>
-    <dgm:cxn modelId="{3680A46A-94F8-41BE-AFBF-36850393FB13}" srcId="{DE296A8E-8B36-468B-9A1B-5D6C5507E610}" destId="{64F5241A-C36F-48F8-A308-54ACF8E2D4A1}" srcOrd="1" destOrd="0" parTransId="{FD388672-85BD-4E56-A2E1-7E6B9FA47BD4}" sibTransId="{2C5CDAF9-AFA6-488F-B576-0B87E7409095}"/>
-    <dgm:cxn modelId="{A345FFEC-C5D0-4B72-9358-6338A6B812BF}" type="presOf" srcId="{AECD39E9-F90E-497B-AE68-43EECD755B9B}" destId="{BFBEC419-5FB0-4F46-828C-E45093B8A9AE}" srcOrd="0" destOrd="0" presId="urn:microsoft.com/office/officeart/2005/8/layout/hierarchy1"/>
-    <dgm:cxn modelId="{7A261F0E-21BB-4FD7-86ED-24974CF4C1FC}" srcId="{C69E3FC5-9CFE-47F7-BC5B-335410C11ADC}" destId="{E4B30EFF-A447-47AA-83CE-ADF9AC243150}" srcOrd="1" destOrd="0" parTransId="{74848587-A4F7-4634-AE70-341DCE3BC1A7}" sibTransId="{6F534AB3-9CB5-49DB-8EC9-8CABC1B968BB}"/>
-    <dgm:cxn modelId="{ACB632BA-E91F-401B-B857-6F3FD45925A2}" srcId="{DE296A8E-8B36-468B-9A1B-5D6C5507E610}" destId="{0824C7D8-D22E-47EE-90B4-962335498AD6}" srcOrd="3" destOrd="0" parTransId="{0F60D967-A4BE-45C9-9BD3-F0FB8493D775}" sibTransId="{5854FA2F-3681-4391-BB76-A5025CE17B26}"/>
-    <dgm:cxn modelId="{B572C5B4-871D-45A8-B502-E3056E336068}" type="presOf" srcId="{A208EF6F-F7A0-4E80-891A-95E84F3B4461}" destId="{9164F195-2544-462A-8008-77B6838BFE07}" srcOrd="0" destOrd="0" presId="urn:microsoft.com/office/officeart/2005/8/layout/hierarchy1"/>
-    <dgm:cxn modelId="{94225667-6FF7-4053-88D3-FB8590AA1D6A}" type="presOf" srcId="{C644B95E-8475-4F37-A1B0-CABB80725C75}" destId="{4C0EFF07-2C87-4125-AD33-8B282EF1F298}" srcOrd="0" destOrd="0" presId="urn:microsoft.com/office/officeart/2005/8/layout/hierarchy1"/>
-    <dgm:cxn modelId="{830641D9-AEF9-4345-BD46-3372767C0F1C}" srcId="{C69E3FC5-9CFE-47F7-BC5B-335410C11ADC}" destId="{68DEEE07-7F5D-4A54-A0B0-36093C60665D}" srcOrd="3" destOrd="0" parTransId="{9E29600D-6889-4CD7-90F7-C30EE673E649}" sibTransId="{403706F2-E5C8-42BA-AEC2-3A79F40AD986}"/>
-    <dgm:cxn modelId="{1974E8B8-032D-43CB-B4B4-8CEE436FE4B2}" type="presOf" srcId="{B8F809E4-B18A-4881-A412-DDE3127EC028}" destId="{8ABDD632-8415-4416-8D49-BD40CABA65C1}" srcOrd="0" destOrd="0" presId="urn:microsoft.com/office/officeart/2005/8/layout/hierarchy1"/>
-    <dgm:cxn modelId="{311086CE-5A39-4D5C-9128-EE71CBBA2512}" type="presOf" srcId="{10FDE61B-3710-4BFE-BE40-D29A7AD50D4B}" destId="{85F8FE35-CC46-44B5-AFD7-D022DCD720BC}" srcOrd="0" destOrd="0" presId="urn:microsoft.com/office/officeart/2005/8/layout/hierarchy1"/>
+    <dgm:cxn modelId="{390334FF-646A-4705-A29F-D6264C1EA604}" type="presOf" srcId="{FD388672-85BD-4E56-A2E1-7E6B9FA47BD4}" destId="{59D2C54D-B3E4-4B75-856E-AD635A8BE565}" srcOrd="0" destOrd="0" presId="urn:microsoft.com/office/officeart/2005/8/layout/hierarchy1"/>
+    <dgm:cxn modelId="{0F7568D8-1DCE-4152-8FD3-B31866405631}" type="presOf" srcId="{BFCFFFA3-9FA3-405D-9553-E1E26B93B55E}" destId="{68C77877-BE1D-4CE8-A1B6-7960A8E3ADCC}" srcOrd="0" destOrd="0" presId="urn:microsoft.com/office/officeart/2005/8/layout/hierarchy1"/>
     <dgm:cxn modelId="{F37819C5-8F67-4044-8B0D-DCE7569CCD50}" srcId="{A088AF6D-43BF-4EB9-9123-D3D44BBC8CC5}" destId="{1D84CB01-BCA5-4E9C-B8D6-2E4BF4596701}" srcOrd="3" destOrd="0" parTransId="{F6F2FD97-AA96-4FB7-BC90-C8D02BDE0D7D}" sibTransId="{2C67A68A-7B33-4512-8BEB-5D88EE02130E}"/>
     <dgm:cxn modelId="{DFD56341-08CA-4452-B169-7EAE2B134297}" type="presOf" srcId="{83FF50DC-6B4F-4EA6-9E67-B9E2C89B5CD8}" destId="{0A5A634F-0F16-4B18-9EB8-BB3F2574D3CD}" srcOrd="0" destOrd="0" presId="urn:microsoft.com/office/officeart/2005/8/layout/hierarchy1"/>
-    <dgm:cxn modelId="{88A10061-838C-4B45-A087-A637F765B3AC}" srcId="{C69E3FC5-9CFE-47F7-BC5B-335410C11ADC}" destId="{C644B95E-8475-4F37-A1B0-CABB80725C75}" srcOrd="2" destOrd="0" parTransId="{10FDE61B-3710-4BFE-BE40-D29A7AD50D4B}" sibTransId="{549474FD-5A41-4AD7-B150-2BB7A2F0CB90}"/>
-    <dgm:cxn modelId="{0F7568D8-1DCE-4152-8FD3-B31866405631}" type="presOf" srcId="{BFCFFFA3-9FA3-405D-9553-E1E26B93B55E}" destId="{68C77877-BE1D-4CE8-A1B6-7960A8E3ADCC}" srcOrd="0" destOrd="0" presId="urn:microsoft.com/office/officeart/2005/8/layout/hierarchy1"/>
-    <dgm:cxn modelId="{8FE6E438-B069-40C5-BDB4-714CDEE90C8D}" srcId="{A088AF6D-43BF-4EB9-9123-D3D44BBC8CC5}" destId="{B8F809E4-B18A-4881-A412-DDE3127EC028}" srcOrd="4" destOrd="0" parTransId="{129C307A-4D6C-4D4D-BD6D-C4FACA4F855A}" sibTransId="{49B8E840-8860-4D42-B4E5-92849601A1FD}"/>
+    <dgm:cxn modelId="{3FE23999-5BB5-4553-A42A-A2FCED77941F}" srcId="{A088AF6D-43BF-4EB9-9123-D3D44BBC8CC5}" destId="{8B68FFED-5B75-4355-80C9-6524FEC3F278}" srcOrd="1" destOrd="0" parTransId="{61B3D7FC-3F52-4F0E-8937-C15538FD9A4D}" sibTransId="{622F2908-42DA-447D-8BEF-F6B07B0A2E94}"/>
+    <dgm:cxn modelId="{4C2B4D47-C509-40CB-B594-6237EEF835C0}" type="presOf" srcId="{64F5241A-C36F-48F8-A308-54ACF8E2D4A1}" destId="{E3D8F54B-D5DF-4151-B883-D2F6981C35CA}" srcOrd="0" destOrd="0" presId="urn:microsoft.com/office/officeart/2005/8/layout/hierarchy1"/>
+    <dgm:cxn modelId="{80C0E70E-4C55-4AF9-9D3D-02A142395D6D}" srcId="{DE296A8E-8B36-468B-9A1B-5D6C5507E610}" destId="{752A6ECB-1CFC-4C50-92BC-21115D7C1980}" srcOrd="0" destOrd="0" parTransId="{8A11CD1F-4A39-4D8E-A544-9178771EC05E}" sibTransId="{DF806012-161F-4450-8C50-0BDD556C40E0}"/>
+    <dgm:cxn modelId="{4FAF8850-12A6-4BB2-8C01-83B43D23A0DA}" type="presOf" srcId="{A088AF6D-43BF-4EB9-9123-D3D44BBC8CC5}" destId="{3BBD8158-24F8-4AF7-A69D-14ED208744A7}" srcOrd="0" destOrd="0" presId="urn:microsoft.com/office/officeart/2005/8/layout/hierarchy1"/>
+    <dgm:cxn modelId="{B628989B-90CA-4DA0-B2ED-DE7B183852D1}" srcId="{C69E3FC5-9CFE-47F7-BC5B-335410C11ADC}" destId="{8C759CB2-0413-4331-B336-3191937F4B1E}" srcOrd="4" destOrd="0" parTransId="{F21D507C-CC44-4815-A1CF-741114D50D1E}" sibTransId="{37BBDE18-853B-4146-8F5B-0B0FD1C41121}"/>
+    <dgm:cxn modelId="{A60BC40E-4360-4447-B3E5-DA416AF29B61}" type="presOf" srcId="{DE296A8E-8B36-468B-9A1B-5D6C5507E610}" destId="{CA043BCE-A600-4F20-A729-27EAD11A5AA9}" srcOrd="0" destOrd="0" presId="urn:microsoft.com/office/officeart/2005/8/layout/hierarchy1"/>
+    <dgm:cxn modelId="{B572C5B4-871D-45A8-B502-E3056E336068}" type="presOf" srcId="{A208EF6F-F7A0-4E80-891A-95E84F3B4461}" destId="{9164F195-2544-462A-8008-77B6838BFE07}" srcOrd="0" destOrd="0" presId="urn:microsoft.com/office/officeart/2005/8/layout/hierarchy1"/>
+    <dgm:cxn modelId="{976A3776-6853-4222-B161-237CF817208B}" type="presOf" srcId="{752A6ECB-1CFC-4C50-92BC-21115D7C1980}" destId="{324A52DB-1002-438C-9F7D-29CA94742989}" srcOrd="0" destOrd="0" presId="urn:microsoft.com/office/officeart/2005/8/layout/hierarchy1"/>
+    <dgm:cxn modelId="{B8A09ACA-5FB5-430E-8E93-A98AA5A173F6}" srcId="{C69E3FC5-9CFE-47F7-BC5B-335410C11ADC}" destId="{DE296A8E-8B36-468B-9A1B-5D6C5507E610}" srcOrd="0" destOrd="0" parTransId="{424E9B79-1F40-47CF-9330-442FC633FAC9}" sibTransId="{DC5E7DC9-9E4F-4215-8EF4-FF84EF724413}"/>
+    <dgm:cxn modelId="{E38014AD-F49C-4351-9DC6-47B136376394}" type="presOf" srcId="{F21D507C-CC44-4815-A1CF-741114D50D1E}" destId="{6C597FD2-77DF-44A5-B73E-047D4CF85B42}" srcOrd="0" destOrd="0" presId="urn:microsoft.com/office/officeart/2005/8/layout/hierarchy1"/>
+    <dgm:cxn modelId="{6FEB3DE9-24F6-4E46-A6F1-E9919369672C}" srcId="{A088AF6D-43BF-4EB9-9123-D3D44BBC8CC5}" destId="{C69E3FC5-9CFE-47F7-BC5B-335410C11ADC}" srcOrd="0" destOrd="0" parTransId="{83FF50DC-6B4F-4EA6-9E67-B9E2C89B5CD8}" sibTransId="{EAB2ABD5-FA78-4ADB-81C8-5646CBF85115}"/>
+    <dgm:cxn modelId="{C4B5D663-192C-48DB-B70F-A2AFAA289C8B}" type="presOf" srcId="{9AD6D493-7F05-49EA-8B59-0821730829BE}" destId="{DB73B931-5A69-4428-99A3-2EADB0E923DC}" srcOrd="0" destOrd="0" presId="urn:microsoft.com/office/officeart/2005/8/layout/hierarchy1"/>
+    <dgm:cxn modelId="{7CB75CF7-53AA-4899-AFCD-04EF4CE87364}" type="presOf" srcId="{F6F2FD97-AA96-4FB7-BC90-C8D02BDE0D7D}" destId="{3D12D23A-46BC-4614-A2B0-46BD7F789652}" srcOrd="0" destOrd="0" presId="urn:microsoft.com/office/officeart/2005/8/layout/hierarchy1"/>
+    <dgm:cxn modelId="{A345FFEC-C5D0-4B72-9358-6338A6B812BF}" type="presOf" srcId="{AECD39E9-F90E-497B-AE68-43EECD755B9B}" destId="{BFBEC419-5FB0-4F46-828C-E45093B8A9AE}" srcOrd="0" destOrd="0" presId="urn:microsoft.com/office/officeart/2005/8/layout/hierarchy1"/>
+    <dgm:cxn modelId="{0CA40517-27EE-456D-94E7-4C711082A46D}" type="presOf" srcId="{E4B30EFF-A447-47AA-83CE-ADF9AC243150}" destId="{4941DECA-C727-4ED5-87AF-17636BC2C68D}" srcOrd="0" destOrd="0" presId="urn:microsoft.com/office/officeart/2005/8/layout/hierarchy1"/>
+    <dgm:cxn modelId="{48DDBEC7-B97A-4F0B-B257-6743D02395B4}" type="presOf" srcId="{C69E3FC5-9CFE-47F7-BC5B-335410C11ADC}" destId="{76946526-AA20-4E9B-AF06-9D22CC3EE37F}" srcOrd="0" destOrd="0" presId="urn:microsoft.com/office/officeart/2005/8/layout/hierarchy1"/>
+    <dgm:cxn modelId="{7C0BD905-25AE-4182-ABE7-CD25CEAD4262}" srcId="{DE296A8E-8B36-468B-9A1B-5D6C5507E610}" destId="{A208EF6F-F7A0-4E80-891A-95E84F3B4461}" srcOrd="2" destOrd="0" parTransId="{AECD39E9-F90E-497B-AE68-43EECD755B9B}" sibTransId="{BEF9AB6E-DCA1-4C88-A7CB-A375155299C4}"/>
+    <dgm:cxn modelId="{E5540967-2372-40A0-9037-713E12ACE015}" srcId="{C20FA1D6-7D5F-4F2D-8431-D53BC5106313}" destId="{A088AF6D-43BF-4EB9-9123-D3D44BBC8CC5}" srcOrd="0" destOrd="0" parTransId="{A4CE320D-2ED6-4105-AACC-E71B4BD2411E}" sibTransId="{47E1BDFD-FE5B-4661-B51E-DEDB8FB56213}"/>
+    <dgm:cxn modelId="{3680A46A-94F8-41BE-AFBF-36850393FB13}" srcId="{DE296A8E-8B36-468B-9A1B-5D6C5507E610}" destId="{64F5241A-C36F-48F8-A308-54ACF8E2D4A1}" srcOrd="1" destOrd="0" parTransId="{FD388672-85BD-4E56-A2E1-7E6B9FA47BD4}" sibTransId="{2C5CDAF9-AFA6-488F-B576-0B87E7409095}"/>
+    <dgm:cxn modelId="{D337F506-9EAE-4D6A-8A8F-B10DB4484AB8}" type="presOf" srcId="{129C307A-4D6C-4D4D-BD6D-C4FACA4F855A}" destId="{D156777E-67F2-41B5-8735-46AAA5346088}" srcOrd="0" destOrd="0" presId="urn:microsoft.com/office/officeart/2005/8/layout/hierarchy1"/>
+    <dgm:cxn modelId="{C5A5384B-F722-41B8-8C51-784801121C19}" type="presOf" srcId="{0F60D967-A4BE-45C9-9BD3-F0FB8493D775}" destId="{FC50B552-A6B0-4934-BE78-F18A450B3AC5}" srcOrd="0" destOrd="0" presId="urn:microsoft.com/office/officeart/2005/8/layout/hierarchy1"/>
+    <dgm:cxn modelId="{ACB632BA-E91F-401B-B857-6F3FD45925A2}" srcId="{DE296A8E-8B36-468B-9A1B-5D6C5507E610}" destId="{0824C7D8-D22E-47EE-90B4-962335498AD6}" srcOrd="3" destOrd="0" parTransId="{0F60D967-A4BE-45C9-9BD3-F0FB8493D775}" sibTransId="{5854FA2F-3681-4391-BB76-A5025CE17B26}"/>
+    <dgm:cxn modelId="{B6FC477A-93B1-4516-9DB1-8E797D4247FF}" type="presOf" srcId="{68DEEE07-7F5D-4A54-A0B0-36093C60665D}" destId="{23889F7E-7B2D-419F-BD23-A39A70469F81}" srcOrd="0" destOrd="0" presId="urn:microsoft.com/office/officeart/2005/8/layout/hierarchy1"/>
+    <dgm:cxn modelId="{694FE78C-3262-4256-BF15-9730B632EBBA}" type="presOf" srcId="{424E9B79-1F40-47CF-9330-442FC633FAC9}" destId="{69005CA9-A60F-4D69-AF2A-130ADF82C2B3}" srcOrd="0" destOrd="0" presId="urn:microsoft.com/office/officeart/2005/8/layout/hierarchy1"/>
     <dgm:cxn modelId="{B0A96E15-3138-41C8-BA31-0090EE67C8B2}" type="presOf" srcId="{1D84CB01-BCA5-4E9C-B8D6-2E4BF4596701}" destId="{A258213C-BEDC-4AFC-B150-34C4D56B86E0}" srcOrd="0" destOrd="0" presId="urn:microsoft.com/office/officeart/2005/8/layout/hierarchy1"/>
     <dgm:cxn modelId="{D3FDC6B1-F7C2-4671-BC13-BA49BEE631B1}" type="presOf" srcId="{6C5B3039-8DF4-4924-94E1-00679DAB1F12}" destId="{75EB86AF-169F-4FAB-90A3-6F9D00C9DC57}" srcOrd="0" destOrd="0" presId="urn:microsoft.com/office/officeart/2005/8/layout/hierarchy1"/>
-    <dgm:cxn modelId="{E38014AD-F49C-4351-9DC6-47B136376394}" type="presOf" srcId="{F21D507C-CC44-4815-A1CF-741114D50D1E}" destId="{6C597FD2-77DF-44A5-B73E-047D4CF85B42}" srcOrd="0" destOrd="0" presId="urn:microsoft.com/office/officeart/2005/8/layout/hierarchy1"/>
-    <dgm:cxn modelId="{E5540967-2372-40A0-9037-713E12ACE015}" srcId="{C20FA1D6-7D5F-4F2D-8431-D53BC5106313}" destId="{A088AF6D-43BF-4EB9-9123-D3D44BBC8CC5}" srcOrd="0" destOrd="0" parTransId="{A4CE320D-2ED6-4105-AACC-E71B4BD2411E}" sibTransId="{47E1BDFD-FE5B-4661-B51E-DEDB8FB56213}"/>
-    <dgm:cxn modelId="{0CA40517-27EE-456D-94E7-4C711082A46D}" type="presOf" srcId="{E4B30EFF-A447-47AA-83CE-ADF9AC243150}" destId="{4941DECA-C727-4ED5-87AF-17636BC2C68D}" srcOrd="0" destOrd="0" presId="urn:microsoft.com/office/officeart/2005/8/layout/hierarchy1"/>
-    <dgm:cxn modelId="{C5A5384B-F722-41B8-8C51-784801121C19}" type="presOf" srcId="{0F60D967-A4BE-45C9-9BD3-F0FB8493D775}" destId="{FC50B552-A6B0-4934-BE78-F18A450B3AC5}" srcOrd="0" destOrd="0" presId="urn:microsoft.com/office/officeart/2005/8/layout/hierarchy1"/>
-    <dgm:cxn modelId="{B628989B-90CA-4DA0-B2ED-DE7B183852D1}" srcId="{C69E3FC5-9CFE-47F7-BC5B-335410C11ADC}" destId="{8C759CB2-0413-4331-B336-3191937F4B1E}" srcOrd="4" destOrd="0" parTransId="{F21D507C-CC44-4815-A1CF-741114D50D1E}" sibTransId="{37BBDE18-853B-4146-8F5B-0B0FD1C41121}"/>
-    <dgm:cxn modelId="{4FAF8850-12A6-4BB2-8C01-83B43D23A0DA}" type="presOf" srcId="{A088AF6D-43BF-4EB9-9123-D3D44BBC8CC5}" destId="{3BBD8158-24F8-4AF7-A69D-14ED208744A7}" srcOrd="0" destOrd="0" presId="urn:microsoft.com/office/officeart/2005/8/layout/hierarchy1"/>
-    <dgm:cxn modelId="{694FE78C-3262-4256-BF15-9730B632EBBA}" type="presOf" srcId="{424E9B79-1F40-47CF-9330-442FC633FAC9}" destId="{69005CA9-A60F-4D69-AF2A-130ADF82C2B3}" srcOrd="0" destOrd="0" presId="urn:microsoft.com/office/officeart/2005/8/layout/hierarchy1"/>
-    <dgm:cxn modelId="{BA520F81-DB58-4837-89C5-FC57B3BB1A65}" type="presOf" srcId="{74848587-A4F7-4634-AE70-341DCE3BC1A7}" destId="{95307ECA-471D-43F8-85FF-907D6C8716C0}" srcOrd="0" destOrd="0" presId="urn:microsoft.com/office/officeart/2005/8/layout/hierarchy1"/>
-    <dgm:cxn modelId="{4C2B4D47-C509-40CB-B594-6237EEF835C0}" type="presOf" srcId="{64F5241A-C36F-48F8-A308-54ACF8E2D4A1}" destId="{E3D8F54B-D5DF-4151-B883-D2F6981C35CA}" srcOrd="0" destOrd="0" presId="urn:microsoft.com/office/officeart/2005/8/layout/hierarchy1"/>
-    <dgm:cxn modelId="{390334FF-646A-4705-A29F-D6264C1EA604}" type="presOf" srcId="{FD388672-85BD-4E56-A2E1-7E6B9FA47BD4}" destId="{59D2C54D-B3E4-4B75-856E-AD635A8BE565}" srcOrd="0" destOrd="0" presId="urn:microsoft.com/office/officeart/2005/8/layout/hierarchy1"/>
-    <dgm:cxn modelId="{5EDC44AA-E236-4466-9BC6-6F88B7542F45}" type="presOf" srcId="{C20FA1D6-7D5F-4F2D-8431-D53BC5106313}" destId="{20353346-832B-485E-ACF1-5FEC4CE85FDF}" srcOrd="0" destOrd="0" presId="urn:microsoft.com/office/officeart/2005/8/layout/hierarchy1"/>
+    <dgm:cxn modelId="{3786E520-DBEE-4180-B871-1B93721603B6}" type="presOf" srcId="{8B68FFED-5B75-4355-80C9-6524FEC3F278}" destId="{93F94247-A717-4757-BAB3-1864B940AF65}" srcOrd="0" destOrd="0" presId="urn:microsoft.com/office/officeart/2005/8/layout/hierarchy1"/>
+    <dgm:cxn modelId="{8B95DD77-6F5B-4706-92B7-A28088E596D6}" type="presOf" srcId="{61B3D7FC-3F52-4F0E-8937-C15538FD9A4D}" destId="{291C6EB2-AD3C-420A-AF3F-CC037A497C7D}" srcOrd="0" destOrd="0" presId="urn:microsoft.com/office/officeart/2005/8/layout/hierarchy1"/>
+    <dgm:cxn modelId="{94225667-6FF7-4053-88D3-FB8590AA1D6A}" type="presOf" srcId="{C644B95E-8475-4F37-A1B0-CABB80725C75}" destId="{4C0EFF07-2C87-4125-AD33-8B282EF1F298}" srcOrd="0" destOrd="0" presId="urn:microsoft.com/office/officeart/2005/8/layout/hierarchy1"/>
+    <dgm:cxn modelId="{E4F48CAD-1818-4891-B75D-E92216984759}" type="presOf" srcId="{0824C7D8-D22E-47EE-90B4-962335498AD6}" destId="{901075E5-87E6-4A7C-8E64-C91B71DFE53C}" srcOrd="0" destOrd="0" presId="urn:microsoft.com/office/officeart/2005/8/layout/hierarchy1"/>
+    <dgm:cxn modelId="{7A261F0E-21BB-4FD7-86ED-24974CF4C1FC}" srcId="{C69E3FC5-9CFE-47F7-BC5B-335410C11ADC}" destId="{E4B30EFF-A447-47AA-83CE-ADF9AC243150}" srcOrd="1" destOrd="0" parTransId="{74848587-A4F7-4634-AE70-341DCE3BC1A7}" sibTransId="{6F534AB3-9CB5-49DB-8EC9-8CABC1B968BB}"/>
+    <dgm:cxn modelId="{17C5E62D-56D7-43F5-94C9-FF8DCECAB89B}" srcId="{DE296A8E-8B36-468B-9A1B-5D6C5507E610}" destId="{6840B8E1-83D0-48A6-B769-578E518A40EA}" srcOrd="4" destOrd="0" parTransId="{9AD6D493-7F05-49EA-8B59-0821730829BE}" sibTransId="{D8555F75-312A-42ED-B395-865752BAA70E}"/>
+    <dgm:cxn modelId="{8FE6E438-B069-40C5-BDB4-714CDEE90C8D}" srcId="{A088AF6D-43BF-4EB9-9123-D3D44BBC8CC5}" destId="{B8F809E4-B18A-4881-A412-DDE3127EC028}" srcOrd="4" destOrd="0" parTransId="{129C307A-4D6C-4D4D-BD6D-C4FACA4F855A}" sibTransId="{49B8E840-8860-4D42-B4E5-92849601A1FD}"/>
+    <dgm:cxn modelId="{1974E8B8-032D-43CB-B4B4-8CEE436FE4B2}" type="presOf" srcId="{B8F809E4-B18A-4881-A412-DDE3127EC028}" destId="{8ABDD632-8415-4416-8D49-BD40CABA65C1}" srcOrd="0" destOrd="0" presId="urn:microsoft.com/office/officeart/2005/8/layout/hierarchy1"/>
+    <dgm:cxn modelId="{0D93DB58-CB7E-4825-9A91-3DE4AA007C3B}" srcId="{A088AF6D-43BF-4EB9-9123-D3D44BBC8CC5}" destId="{6C5B3039-8DF4-4924-94E1-00679DAB1F12}" srcOrd="2" destOrd="0" parTransId="{BFCFFFA3-9FA3-405D-9553-E1E26B93B55E}" sibTransId="{9C11AD92-87EB-4C8D-9422-F6B5A4CD1D21}"/>
+    <dgm:cxn modelId="{830641D9-AEF9-4345-BD46-3372767C0F1C}" srcId="{C69E3FC5-9CFE-47F7-BC5B-335410C11ADC}" destId="{68DEEE07-7F5D-4A54-A0B0-36093C60665D}" srcOrd="3" destOrd="0" parTransId="{9E29600D-6889-4CD7-90F7-C30EE673E649}" sibTransId="{403706F2-E5C8-42BA-AEC2-3A79F40AD986}"/>
+    <dgm:cxn modelId="{311086CE-5A39-4D5C-9128-EE71CBBA2512}" type="presOf" srcId="{10FDE61B-3710-4BFE-BE40-D29A7AD50D4B}" destId="{85F8FE35-CC46-44B5-AFD7-D022DCD720BC}" srcOrd="0" destOrd="0" presId="urn:microsoft.com/office/officeart/2005/8/layout/hierarchy1"/>
+    <dgm:cxn modelId="{88A10061-838C-4B45-A087-A637F765B3AC}" srcId="{C69E3FC5-9CFE-47F7-BC5B-335410C11ADC}" destId="{C644B95E-8475-4F37-A1B0-CABB80725C75}" srcOrd="2" destOrd="0" parTransId="{10FDE61B-3710-4BFE-BE40-D29A7AD50D4B}" sibTransId="{549474FD-5A41-4AD7-B150-2BB7A2F0CB90}"/>
+    <dgm:cxn modelId="{FF5A674B-A03B-48F8-8042-2B934FABE69C}" type="presOf" srcId="{8A11CD1F-4A39-4D8E-A544-9178771EC05E}" destId="{1A73401C-5379-490B-BDFE-B2AEA2301958}" srcOrd="0" destOrd="0" presId="urn:microsoft.com/office/officeart/2005/8/layout/hierarchy1"/>
     <dgm:cxn modelId="{E791881F-5A0A-4DC0-9667-1B62738849A3}" type="presOf" srcId="{9E29600D-6889-4CD7-90F7-C30EE673E649}" destId="{D2423C4E-3AB6-4C96-82AF-410A43D2AFCD}" srcOrd="0" destOrd="0" presId="urn:microsoft.com/office/officeart/2005/8/layout/hierarchy1"/>
-    <dgm:cxn modelId="{FF5A674B-A03B-48F8-8042-2B934FABE69C}" type="presOf" srcId="{8A11CD1F-4A39-4D8E-A544-9178771EC05E}" destId="{1A73401C-5379-490B-BDFE-B2AEA2301958}" srcOrd="0" destOrd="0" presId="urn:microsoft.com/office/officeart/2005/8/layout/hierarchy1"/>
-    <dgm:cxn modelId="{0D93DB58-CB7E-4825-9A91-3DE4AA007C3B}" srcId="{A088AF6D-43BF-4EB9-9123-D3D44BBC8CC5}" destId="{6C5B3039-8DF4-4924-94E1-00679DAB1F12}" srcOrd="2" destOrd="0" parTransId="{BFCFFFA3-9FA3-405D-9553-E1E26B93B55E}" sibTransId="{9C11AD92-87EB-4C8D-9422-F6B5A4CD1D21}"/>
-    <dgm:cxn modelId="{A60BC40E-4360-4447-B3E5-DA416AF29B61}" type="presOf" srcId="{DE296A8E-8B36-468B-9A1B-5D6C5507E610}" destId="{CA043BCE-A600-4F20-A729-27EAD11A5AA9}" srcOrd="0" destOrd="0" presId="urn:microsoft.com/office/officeart/2005/8/layout/hierarchy1"/>
-    <dgm:cxn modelId="{7CB75CF7-53AA-4899-AFCD-04EF4CE87364}" type="presOf" srcId="{F6F2FD97-AA96-4FB7-BC90-C8D02BDE0D7D}" destId="{3D12D23A-46BC-4614-A2B0-46BD7F789652}" srcOrd="0" destOrd="0" presId="urn:microsoft.com/office/officeart/2005/8/layout/hierarchy1"/>
-    <dgm:cxn modelId="{B8A09ACA-5FB5-430E-8E93-A98AA5A173F6}" srcId="{C69E3FC5-9CFE-47F7-BC5B-335410C11ADC}" destId="{DE296A8E-8B36-468B-9A1B-5D6C5507E610}" srcOrd="0" destOrd="0" parTransId="{424E9B79-1F40-47CF-9330-442FC633FAC9}" sibTransId="{DC5E7DC9-9E4F-4215-8EF4-FF84EF724413}"/>
-    <dgm:cxn modelId="{E4F48CAD-1818-4891-B75D-E92216984759}" type="presOf" srcId="{0824C7D8-D22E-47EE-90B4-962335498AD6}" destId="{901075E5-87E6-4A7C-8E64-C91B71DFE53C}" srcOrd="0" destOrd="0" presId="urn:microsoft.com/office/officeart/2005/8/layout/hierarchy1"/>
-    <dgm:cxn modelId="{3FE23999-5BB5-4553-A42A-A2FCED77941F}" srcId="{A088AF6D-43BF-4EB9-9123-D3D44BBC8CC5}" destId="{8B68FFED-5B75-4355-80C9-6524FEC3F278}" srcOrd="1" destOrd="0" parTransId="{61B3D7FC-3F52-4F0E-8937-C15538FD9A4D}" sibTransId="{622F2908-42DA-447D-8BEF-F6B07B0A2E94}"/>
-    <dgm:cxn modelId="{17C5E62D-56D7-43F5-94C9-FF8DCECAB89B}" srcId="{DE296A8E-8B36-468B-9A1B-5D6C5507E610}" destId="{6840B8E1-83D0-48A6-B769-578E518A40EA}" srcOrd="4" destOrd="0" parTransId="{9AD6D493-7F05-49EA-8B59-0821730829BE}" sibTransId="{D8555F75-312A-42ED-B395-865752BAA70E}"/>
     <dgm:cxn modelId="{80C2BE26-5F5F-433D-A4A2-99356F0AEC9E}" type="presOf" srcId="{6840B8E1-83D0-48A6-B769-578E518A40EA}" destId="{AFDFD19B-CDDE-4903-B0F4-1B6F93A5369F}" srcOrd="0" destOrd="0" presId="urn:microsoft.com/office/officeart/2005/8/layout/hierarchy1"/>
-    <dgm:cxn modelId="{3786E520-DBEE-4180-B871-1B93721603B6}" type="presOf" srcId="{8B68FFED-5B75-4355-80C9-6524FEC3F278}" destId="{93F94247-A717-4757-BAB3-1864B940AF65}" srcOrd="0" destOrd="0" presId="urn:microsoft.com/office/officeart/2005/8/layout/hierarchy1"/>
-    <dgm:cxn modelId="{6FEB3DE9-24F6-4E46-A6F1-E9919369672C}" srcId="{A088AF6D-43BF-4EB9-9123-D3D44BBC8CC5}" destId="{C69E3FC5-9CFE-47F7-BC5B-335410C11ADC}" srcOrd="0" destOrd="0" parTransId="{83FF50DC-6B4F-4EA6-9E67-B9E2C89B5CD8}" sibTransId="{EAB2ABD5-FA78-4ADB-81C8-5646CBF85115}"/>
-    <dgm:cxn modelId="{80C0E70E-4C55-4AF9-9D3D-02A142395D6D}" srcId="{DE296A8E-8B36-468B-9A1B-5D6C5507E610}" destId="{752A6ECB-1CFC-4C50-92BC-21115D7C1980}" srcOrd="0" destOrd="0" parTransId="{8A11CD1F-4A39-4D8E-A544-9178771EC05E}" sibTransId="{DF806012-161F-4450-8C50-0BDD556C40E0}"/>
-    <dgm:cxn modelId="{48DDBEC7-B97A-4F0B-B257-6743D02395B4}" type="presOf" srcId="{C69E3FC5-9CFE-47F7-BC5B-335410C11ADC}" destId="{76946526-AA20-4E9B-AF06-9D22CC3EE37F}" srcOrd="0" destOrd="0" presId="urn:microsoft.com/office/officeart/2005/8/layout/hierarchy1"/>
     <dgm:cxn modelId="{01820940-B8F2-406D-BE79-885691A1C269}" type="presParOf" srcId="{20353346-832B-485E-ACF1-5FEC4CE85FDF}" destId="{E303D18E-2D1C-4CFA-890F-69DF2245EB3A}" srcOrd="0" destOrd="0" presId="urn:microsoft.com/office/officeart/2005/8/layout/hierarchy1"/>
     <dgm:cxn modelId="{9C29C8C5-8C0B-4055-886F-E8B6E7D6B310}" type="presParOf" srcId="{E303D18E-2D1C-4CFA-890F-69DF2245EB3A}" destId="{B98F4BE3-C6EF-4B41-B12A-C2D887031B1D}" srcOrd="0" destOrd="0" presId="urn:microsoft.com/office/officeart/2005/8/layout/hierarchy1"/>
     <dgm:cxn modelId="{29D9E8A7-E902-4A9A-A689-8EF8DF81A55D}" type="presParOf" srcId="{B98F4BE3-C6EF-4B41-B12A-C2D887031B1D}" destId="{ADF8C972-18E2-438E-89D4-150B260A3D13}" srcOrd="0" destOrd="0" presId="urn:microsoft.com/office/officeart/2005/8/layout/hierarchy1"/>
@@ -2359,7 +2359,7 @@
   <dgm:whole/>
   <dgm:extLst>
     <a:ext uri="http://schemas.microsoft.com/office/drawing/2008/diagram">
-      <dsp:dataModelExt xmlns:dsp="http://schemas.microsoft.com/office/drawing/2008/diagram" xmlns="" relId="rId7" minVer="http://schemas.openxmlformats.org/drawingml/2006/diagram"/>
+      <dsp:dataModelExt xmlns:dsp="http://schemas.microsoft.com/office/drawing/2008/diagram" relId="rId7" minVer="http://schemas.openxmlformats.org/drawingml/2006/diagram"/>
     </a:ext>
   </dgm:extLst>
 </dgm:dataModel>
@@ -7130,7 +7130,7 @@
             <a:fld id="{327746C0-156E-4F3C-B3AC-DD545D6D52BB}" type="datetimeFigureOut">
               <a:rPr lang="en-US" smtClean="0"/>
               <a:pPr/>
-              <a:t>9/13/2017</a:t>
+              <a:t>10/5/2017</a:t>
             </a:fld>
             <a:endParaRPr lang="en-US"/>
           </a:p>
@@ -7485,7 +7485,7 @@
             <a:fld id="{327746C0-156E-4F3C-B3AC-DD545D6D52BB}" type="datetimeFigureOut">
               <a:rPr lang="en-US" smtClean="0"/>
               <a:pPr/>
-              <a:t>9/13/2017</a:t>
+              <a:t>10/5/2017</a:t>
             </a:fld>
             <a:endParaRPr lang="en-US"/>
           </a:p>
@@ -7662,7 +7662,7 @@
             <a:fld id="{327746C0-156E-4F3C-B3AC-DD545D6D52BB}" type="datetimeFigureOut">
               <a:rPr lang="en-US" smtClean="0"/>
               <a:pPr/>
-              <a:t>9/13/2017</a:t>
+              <a:t>10/5/2017</a:t>
             </a:fld>
             <a:endParaRPr lang="en-US"/>
           </a:p>
@@ -7777,7 +7777,7 @@
             <a:fld id="{327746C0-156E-4F3C-B3AC-DD545D6D52BB}" type="datetimeFigureOut">
               <a:rPr lang="en-US" smtClean="0"/>
               <a:pPr/>
-              <a:t>9/13/2017</a:t>
+              <a:t>10/5/2017</a:t>
             </a:fld>
             <a:endParaRPr lang="en-US"/>
           </a:p>
@@ -8137,7 +8137,7 @@
             <a:fld id="{327746C0-156E-4F3C-B3AC-DD545D6D52BB}" type="datetimeFigureOut">
               <a:rPr lang="en-US" smtClean="0"/>
               <a:pPr/>
-              <a:t>9/13/2017</a:t>
+              <a:t>10/5/2017</a:t>
             </a:fld>
             <a:endParaRPr lang="en-US"/>
           </a:p>
@@ -8404,7 +8404,7 @@
             <a:fld id="{327746C0-156E-4F3C-B3AC-DD545D6D52BB}" type="datetimeFigureOut">
               <a:rPr lang="en-US" smtClean="0"/>
               <a:pPr/>
-              <a:t>9/13/2017</a:t>
+              <a:t>10/5/2017</a:t>
             </a:fld>
             <a:endParaRPr lang="en-US"/>
           </a:p>
@@ -8768,7 +8768,7 @@
             <a:fld id="{327746C0-156E-4F3C-B3AC-DD545D6D52BB}" type="datetimeFigureOut">
               <a:rPr lang="en-US" smtClean="0"/>
               <a:pPr/>
-              <a:t>9/13/2017</a:t>
+              <a:t>10/5/2017</a:t>
             </a:fld>
             <a:endParaRPr lang="en-US"/>
           </a:p>
@@ -8997,7 +8997,7 @@
             <a:fld id="{327746C0-156E-4F3C-B3AC-DD545D6D52BB}" type="datetimeFigureOut">
               <a:rPr lang="en-US" smtClean="0"/>
               <a:pPr/>
-              <a:t>9/13/2017</a:t>
+              <a:t>10/5/2017</a:t>
             </a:fld>
             <a:endParaRPr lang="en-US"/>
           </a:p>
@@ -9089,7 +9089,7 @@
             <a:fld id="{327746C0-156E-4F3C-B3AC-DD545D6D52BB}" type="datetimeFigureOut">
               <a:rPr lang="en-US" smtClean="0"/>
               <a:pPr/>
-              <a:t>9/13/2017</a:t>
+              <a:t>10/5/2017</a:t>
             </a:fld>
             <a:endParaRPr lang="en-US"/>
           </a:p>
@@ -9358,7 +9358,7 @@
             <a:fld id="{327746C0-156E-4F3C-B3AC-DD545D6D52BB}" type="datetimeFigureOut">
               <a:rPr lang="en-US" smtClean="0"/>
               <a:pPr/>
-              <a:t>9/13/2017</a:t>
+              <a:t>10/5/2017</a:t>
             </a:fld>
             <a:endParaRPr lang="en-US"/>
           </a:p>
@@ -9588,7 +9588,7 @@
             <a:fld id="{327746C0-156E-4F3C-B3AC-DD545D6D52BB}" type="datetimeFigureOut">
               <a:rPr lang="en-US" smtClean="0"/>
               <a:pPr/>
-              <a:t>9/13/2017</a:t>
+              <a:t>10/5/2017</a:t>
             </a:fld>
             <a:endParaRPr lang="en-US"/>
           </a:p>
@@ -10089,7 +10089,7 @@
             <a:fld id="{327746C0-156E-4F3C-B3AC-DD545D6D52BB}" type="datetimeFigureOut">
               <a:rPr lang="en-US" smtClean="0"/>
               <a:pPr/>
-              <a:t>9/13/2017</a:t>
+              <a:t>10/5/2017</a:t>
             </a:fld>
             <a:endParaRPr lang="en-US"/>
           </a:p>
@@ -10523,7 +10523,7 @@
     </p:custDataLst>
     <p:extLst>
       <p:ext uri="{BB962C8B-B14F-4D97-AF65-F5344CB8AC3E}">
-        <p14:creationId xmlns:p14="http://schemas.microsoft.com/office/powerpoint/2010/main" xmlns="" val="793330151"/>
+        <p14:creationId xmlns:p14="http://schemas.microsoft.com/office/powerpoint/2010/main" val="793330151"/>
       </p:ext>
     </p:extLst>
   </p:cSld>
@@ -10622,23 +10622,7 @@
                   <a:schemeClr val="tx2"/>
                 </a:solidFill>
               </a:rPr>
-              <a:t>In “View State” admin user will get the list of </a:t>
-            </a:r>
-            <a:r>
-              <a:rPr lang="en-US" b="1" dirty="0" smtClean="0">
-                <a:solidFill>
-                  <a:schemeClr val="tx2"/>
-                </a:solidFill>
-              </a:rPr>
-              <a:t>all the States which </a:t>
-            </a:r>
-            <a:r>
-              <a:rPr lang="en-US" b="1" dirty="0" smtClean="0">
-                <a:solidFill>
-                  <a:schemeClr val="tx2"/>
-                </a:solidFill>
-              </a:rPr>
-              <a:t>he added in the system.</a:t>
+              <a:t>In “View State” admin user will get the list of all the States which he added in the system.</a:t>
             </a:r>
           </a:p>
           <a:p>
@@ -10816,7 +10800,7 @@
     </p:custDataLst>
     <p:extLst>
       <p:ext uri="{BB962C8B-B14F-4D97-AF65-F5344CB8AC3E}">
-        <p14:creationId xmlns:p14="http://schemas.microsoft.com/office/powerpoint/2010/main" xmlns="" val="1762434447"/>
+        <p14:creationId xmlns:p14="http://schemas.microsoft.com/office/powerpoint/2010/main" val="1762434447"/>
       </p:ext>
     </p:extLst>
   </p:cSld>
@@ -10963,7 +10947,7 @@
     </p:custDataLst>
     <p:extLst>
       <p:ext uri="{BB962C8B-B14F-4D97-AF65-F5344CB8AC3E}">
-        <p14:creationId xmlns:p14="http://schemas.microsoft.com/office/powerpoint/2010/main" xmlns="" val="3577236475"/>
+        <p14:creationId xmlns:p14="http://schemas.microsoft.com/office/powerpoint/2010/main" val="3577236475"/>
       </p:ext>
     </p:extLst>
   </p:cSld>
@@ -11240,7 +11224,7 @@
     </p:custDataLst>
     <p:extLst>
       <p:ext uri="{BB962C8B-B14F-4D97-AF65-F5344CB8AC3E}">
-        <p14:creationId xmlns:p14="http://schemas.microsoft.com/office/powerpoint/2010/main" xmlns="" val="1560842603"/>
+        <p14:creationId xmlns:p14="http://schemas.microsoft.com/office/powerpoint/2010/main" val="1560842603"/>
       </p:ext>
     </p:extLst>
   </p:cSld>
@@ -11387,7 +11371,7 @@
     </p:custDataLst>
     <p:extLst>
       <p:ext uri="{BB962C8B-B14F-4D97-AF65-F5344CB8AC3E}">
-        <p14:creationId xmlns:p14="http://schemas.microsoft.com/office/powerpoint/2010/main" xmlns="" val="8436863"/>
+        <p14:creationId xmlns:p14="http://schemas.microsoft.com/office/powerpoint/2010/main" val="8436863"/>
       </p:ext>
     </p:extLst>
   </p:cSld>
@@ -11486,23 +11470,7 @@
                   <a:schemeClr val="tx2"/>
                 </a:solidFill>
               </a:rPr>
-              <a:t>In “View Area” admin user will get the list of all areas </a:t>
-            </a:r>
-            <a:r>
-              <a:rPr lang="en-US" b="1" dirty="0" smtClean="0">
-                <a:solidFill>
-                  <a:schemeClr val="tx2"/>
-                </a:solidFill>
-              </a:rPr>
-              <a:t>which </a:t>
-            </a:r>
-            <a:r>
-              <a:rPr lang="en-US" b="1" dirty="0" smtClean="0">
-                <a:solidFill>
-                  <a:schemeClr val="tx2"/>
-                </a:solidFill>
-              </a:rPr>
-              <a:t>he added in the system.</a:t>
+              <a:t>In “View Area” admin user will get the list of all areas which he added in the system.</a:t>
             </a:r>
           </a:p>
           <a:p>
@@ -11535,23 +11503,7 @@
                   <a:schemeClr val="tx2"/>
                 </a:solidFill>
               </a:rPr>
-              <a:t>Pin-code </a:t>
-            </a:r>
-            <a:r>
-              <a:rPr lang="en-US" b="1" dirty="0" smtClean="0">
-                <a:solidFill>
-                  <a:schemeClr val="tx2"/>
-                </a:solidFill>
-              </a:rPr>
-              <a:t>will be </a:t>
-            </a:r>
-            <a:r>
-              <a:rPr lang="en-US" b="1" dirty="0" smtClean="0">
-                <a:solidFill>
-                  <a:schemeClr val="tx2"/>
-                </a:solidFill>
-              </a:rPr>
-              <a:t>also added at the time of addition of Area</a:t>
+              <a:t>Pin-code will be also added at the time of addition of Area</a:t>
             </a:r>
           </a:p>
         </p:txBody>
@@ -11707,7 +11659,7 @@
     </p:custDataLst>
     <p:extLst>
       <p:ext uri="{BB962C8B-B14F-4D97-AF65-F5344CB8AC3E}">
-        <p14:creationId xmlns:p14="http://schemas.microsoft.com/office/powerpoint/2010/main" xmlns="" val="1574266736"/>
+        <p14:creationId xmlns:p14="http://schemas.microsoft.com/office/powerpoint/2010/main" val="1574266736"/>
       </p:ext>
     </p:extLst>
   </p:cSld>
@@ -11854,7 +11806,7 @@
     </p:custDataLst>
     <p:extLst>
       <p:ext uri="{BB962C8B-B14F-4D97-AF65-F5344CB8AC3E}">
-        <p14:creationId xmlns:p14="http://schemas.microsoft.com/office/powerpoint/2010/main" xmlns="" val="2459816789"/>
+        <p14:creationId xmlns:p14="http://schemas.microsoft.com/office/powerpoint/2010/main" val="2459816789"/>
       </p:ext>
     </p:extLst>
   </p:cSld>
@@ -11975,39 +11927,7 @@
                   <a:schemeClr val="tx2"/>
                 </a:solidFill>
               </a:rPr>
-              <a:t>It includes </a:t>
-            </a:r>
-            <a:r>
-              <a:rPr lang="en-US" b="1" dirty="0" smtClean="0">
-                <a:solidFill>
-                  <a:schemeClr val="tx2"/>
-                </a:solidFill>
-              </a:rPr>
-              <a:t>day </a:t>
-            </a:r>
-            <a:r>
-              <a:rPr lang="en-US" b="1" dirty="0" smtClean="0">
-                <a:solidFill>
-                  <a:schemeClr val="tx2"/>
-                </a:solidFill>
-              </a:rPr>
-              <a:t>wise schedule and </a:t>
-            </a:r>
-            <a:r>
-              <a:rPr lang="en-US" b="1" dirty="0" smtClean="0">
-                <a:solidFill>
-                  <a:schemeClr val="tx2"/>
-                </a:solidFill>
-              </a:rPr>
-              <a:t>Duration </a:t>
-            </a:r>
-            <a:r>
-              <a:rPr lang="en-US" b="1" dirty="0" smtClean="0">
-                <a:solidFill>
-                  <a:schemeClr val="tx2"/>
-                </a:solidFill>
-              </a:rPr>
-              <a:t>of the Activity i.e. Start and End Date of the respective activity</a:t>
+              <a:t>It includes day wise schedule and Duration of the Activity i.e. Start and End Date of the respective activity</a:t>
             </a:r>
           </a:p>
         </p:txBody>
@@ -12163,7 +12083,7 @@
     </p:custDataLst>
     <p:extLst>
       <p:ext uri="{BB962C8B-B14F-4D97-AF65-F5344CB8AC3E}">
-        <p14:creationId xmlns:p14="http://schemas.microsoft.com/office/powerpoint/2010/main" xmlns="" val="2934727814"/>
+        <p14:creationId xmlns:p14="http://schemas.microsoft.com/office/powerpoint/2010/main" val="2934727814"/>
       </p:ext>
     </p:extLst>
   </p:cSld>
@@ -12291,7 +12211,7 @@
           <a:blip r:embed="rId3" cstate="print">
             <a:extLst>
               <a:ext uri="{28A0092B-C50C-407E-A947-70E740481C1C}">
-                <a14:useLocalDpi xmlns:a14="http://schemas.microsoft.com/office/drawing/2010/main" xmlns="" val="0"/>
+                <a14:useLocalDpi xmlns:a14="http://schemas.microsoft.com/office/drawing/2010/main" val="0"/>
               </a:ext>
             </a:extLst>
           </a:blip>
@@ -12314,7 +12234,7 @@
     </p:custDataLst>
     <p:extLst>
       <p:ext uri="{BB962C8B-B14F-4D97-AF65-F5344CB8AC3E}">
-        <p14:creationId xmlns:p14="http://schemas.microsoft.com/office/powerpoint/2010/main" xmlns="" val="3142979908"/>
+        <p14:creationId xmlns:p14="http://schemas.microsoft.com/office/powerpoint/2010/main" val="3142979908"/>
       </p:ext>
     </p:extLst>
   </p:cSld>
@@ -12792,7 +12712,7 @@
           <a:blip r:embed="rId3" cstate="print">
             <a:extLst>
               <a:ext uri="{28A0092B-C50C-407E-A947-70E740481C1C}">
-                <a14:useLocalDpi xmlns:a14="http://schemas.microsoft.com/office/drawing/2010/main" xmlns="" val="0"/>
+                <a14:useLocalDpi xmlns:a14="http://schemas.microsoft.com/office/drawing/2010/main" val="0"/>
               </a:ext>
             </a:extLst>
           </a:blip>
@@ -12815,7 +12735,7 @@
     </p:custDataLst>
     <p:extLst>
       <p:ext uri="{BB962C8B-B14F-4D97-AF65-F5344CB8AC3E}">
-        <p14:creationId xmlns:p14="http://schemas.microsoft.com/office/powerpoint/2010/main" xmlns="" val="3077561533"/>
+        <p14:creationId xmlns:p14="http://schemas.microsoft.com/office/powerpoint/2010/main" val="3077561533"/>
       </p:ext>
     </p:extLst>
   </p:cSld>
@@ -12859,7 +12779,7 @@
             <p:ph sz="quarter" idx="1"/>
             <p:extLst>
               <p:ext uri="{D42A27DB-BD31-4B8C-83A1-F6EECF244321}">
-                <p14:modId xmlns:p14="http://schemas.microsoft.com/office/powerpoint/2010/main" xmlns="" val="1151578242"/>
+                <p14:modId xmlns:p14="http://schemas.microsoft.com/office/powerpoint/2010/main" val="1151578242"/>
               </p:ext>
             </p:extLst>
           </p:nvPr>
@@ -12908,7 +12828,7 @@
     </p:custDataLst>
     <p:extLst>
       <p:ext uri="{BB962C8B-B14F-4D97-AF65-F5344CB8AC3E}">
-        <p14:creationId xmlns:p14="http://schemas.microsoft.com/office/powerpoint/2010/main" xmlns="" val="2143628859"/>
+        <p14:creationId xmlns:p14="http://schemas.microsoft.com/office/powerpoint/2010/main" val="2143628859"/>
       </p:ext>
     </p:extLst>
   </p:cSld>
@@ -13036,7 +12956,7 @@
           <a:blip r:embed="rId3">
             <a:extLst>
               <a:ext uri="{28A0092B-C50C-407E-A947-70E740481C1C}">
-                <a14:useLocalDpi xmlns:a14="http://schemas.microsoft.com/office/drawing/2010/main" xmlns="" val="0"/>
+                <a14:useLocalDpi xmlns:a14="http://schemas.microsoft.com/office/drawing/2010/main" val="0"/>
               </a:ext>
             </a:extLst>
           </a:blip>
@@ -13059,7 +12979,7 @@
     </p:custDataLst>
     <p:extLst>
       <p:ext uri="{BB962C8B-B14F-4D97-AF65-F5344CB8AC3E}">
-        <p14:creationId xmlns:p14="http://schemas.microsoft.com/office/powerpoint/2010/main" xmlns="" val="2495988458"/>
+        <p14:creationId xmlns:p14="http://schemas.microsoft.com/office/powerpoint/2010/main" val="2495988458"/>
       </p:ext>
     </p:extLst>
   </p:cSld>
@@ -13482,7 +13402,7 @@
           <a:blip r:embed="rId3" cstate="print">
             <a:extLst>
               <a:ext uri="{28A0092B-C50C-407E-A947-70E740481C1C}">
-                <a14:useLocalDpi xmlns:a14="http://schemas.microsoft.com/office/drawing/2010/main" xmlns="" val="0"/>
+                <a14:useLocalDpi xmlns:a14="http://schemas.microsoft.com/office/drawing/2010/main" val="0"/>
               </a:ext>
             </a:extLst>
           </a:blip>
@@ -13505,7 +13425,7 @@
     </p:custDataLst>
     <p:extLst>
       <p:ext uri="{BB962C8B-B14F-4D97-AF65-F5344CB8AC3E}">
-        <p14:creationId xmlns:p14="http://schemas.microsoft.com/office/powerpoint/2010/main" xmlns="" val="401851479"/>
+        <p14:creationId xmlns:p14="http://schemas.microsoft.com/office/powerpoint/2010/main" val="401851479"/>
       </p:ext>
     </p:extLst>
   </p:cSld>
@@ -13622,23 +13542,7 @@
             </a:pPr>
             <a:r>
               <a:rPr lang="en-US" dirty="0" smtClean="0"/>
-              <a:t>	In my account section, </a:t>
-            </a:r>
-            <a:r>
-              <a:rPr lang="en-US" dirty="0" smtClean="0"/>
-              <a:t>information </a:t>
-            </a:r>
-            <a:r>
-              <a:rPr lang="en-US" dirty="0" smtClean="0"/>
-              <a:t>of the students are available </a:t>
-            </a:r>
-            <a:r>
-              <a:rPr lang="en-US" dirty="0" smtClean="0"/>
-              <a:t>E.g. </a:t>
-            </a:r>
-            <a:r>
-              <a:rPr lang="en-US" dirty="0" smtClean="0"/>
-              <a:t>Name of the Student, Batches, Competition etc.</a:t>
+              <a:t>	In my account section, information of the students are available E.g. Name of the Student, Batches, Competition etc.</a:t>
             </a:r>
           </a:p>
           <a:p>
@@ -13923,7 +13827,7 @@
           <a:blip r:embed="rId3" cstate="print">
             <a:extLst>
               <a:ext uri="{28A0092B-C50C-407E-A947-70E740481C1C}">
-                <a14:useLocalDpi xmlns:a14="http://schemas.microsoft.com/office/drawing/2010/main" xmlns="" val="0"/>
+                <a14:useLocalDpi xmlns:a14="http://schemas.microsoft.com/office/drawing/2010/main" val="0"/>
               </a:ext>
             </a:extLst>
           </a:blip>
@@ -13946,7 +13850,7 @@
     </p:custDataLst>
     <p:extLst>
       <p:ext uri="{BB962C8B-B14F-4D97-AF65-F5344CB8AC3E}">
-        <p14:creationId xmlns:p14="http://schemas.microsoft.com/office/powerpoint/2010/main" xmlns="" val="503392518"/>
+        <p14:creationId xmlns:p14="http://schemas.microsoft.com/office/powerpoint/2010/main" val="503392518"/>
       </p:ext>
     </p:extLst>
   </p:cSld>
@@ -14074,7 +13978,7 @@
           <a:blip r:embed="rId3" cstate="print">
             <a:extLst>
               <a:ext uri="{28A0092B-C50C-407E-A947-70E740481C1C}">
-                <a14:useLocalDpi xmlns:a14="http://schemas.microsoft.com/office/drawing/2010/main" xmlns="" val="0"/>
+                <a14:useLocalDpi xmlns:a14="http://schemas.microsoft.com/office/drawing/2010/main" val="0"/>
               </a:ext>
             </a:extLst>
           </a:blip>
@@ -14097,7 +14001,7 @@
     </p:custDataLst>
     <p:extLst>
       <p:ext uri="{BB962C8B-B14F-4D97-AF65-F5344CB8AC3E}">
-        <p14:creationId xmlns:p14="http://schemas.microsoft.com/office/powerpoint/2010/main" xmlns="" val="2321934506"/>
+        <p14:creationId xmlns:p14="http://schemas.microsoft.com/office/powerpoint/2010/main" val="2321934506"/>
       </p:ext>
     </p:extLst>
   </p:cSld>
@@ -14502,7 +14406,7 @@
           <a:blip r:embed="rId3" cstate="print">
             <a:extLst>
               <a:ext uri="{28A0092B-C50C-407E-A947-70E740481C1C}">
-                <a14:useLocalDpi xmlns:a14="http://schemas.microsoft.com/office/drawing/2010/main" xmlns="" val="0"/>
+                <a14:useLocalDpi xmlns:a14="http://schemas.microsoft.com/office/drawing/2010/main" val="0"/>
               </a:ext>
             </a:extLst>
           </a:blip>
@@ -14525,7 +14429,7 @@
     </p:custDataLst>
     <p:extLst>
       <p:ext uri="{BB962C8B-B14F-4D97-AF65-F5344CB8AC3E}">
-        <p14:creationId xmlns:p14="http://schemas.microsoft.com/office/powerpoint/2010/main" xmlns="" val="1758084986"/>
+        <p14:creationId xmlns:p14="http://schemas.microsoft.com/office/powerpoint/2010/main" val="1758084986"/>
       </p:ext>
     </p:extLst>
   </p:cSld>
@@ -14653,7 +14557,7 @@
           <a:blip r:embed="rId3" cstate="print">
             <a:extLst>
               <a:ext uri="{28A0092B-C50C-407E-A947-70E740481C1C}">
-                <a14:useLocalDpi xmlns:a14="http://schemas.microsoft.com/office/drawing/2010/main" xmlns="" val="0"/>
+                <a14:useLocalDpi xmlns:a14="http://schemas.microsoft.com/office/drawing/2010/main" val="0"/>
               </a:ext>
             </a:extLst>
           </a:blip>
@@ -14676,7 +14580,7 @@
     </p:custDataLst>
     <p:extLst>
       <p:ext uri="{BB962C8B-B14F-4D97-AF65-F5344CB8AC3E}">
-        <p14:creationId xmlns:p14="http://schemas.microsoft.com/office/powerpoint/2010/main" xmlns="" val="1675111380"/>
+        <p14:creationId xmlns:p14="http://schemas.microsoft.com/office/powerpoint/2010/main" val="1675111380"/>
       </p:ext>
     </p:extLst>
   </p:cSld>
@@ -15186,7 +15090,7 @@
     </p:custDataLst>
     <p:extLst>
       <p:ext uri="{BB962C8B-B14F-4D97-AF65-F5344CB8AC3E}">
-        <p14:creationId xmlns:p14="http://schemas.microsoft.com/office/powerpoint/2010/main" xmlns="" val="1697642450"/>
+        <p14:creationId xmlns:p14="http://schemas.microsoft.com/office/powerpoint/2010/main" val="1697642450"/>
       </p:ext>
     </p:extLst>
   </p:cSld>
@@ -15314,7 +15218,7 @@
           <a:blip r:embed="rId3" cstate="print">
             <a:extLst>
               <a:ext uri="{28A0092B-C50C-407E-A947-70E740481C1C}">
-                <a14:useLocalDpi xmlns:a14="http://schemas.microsoft.com/office/drawing/2010/main" xmlns="" val="0"/>
+                <a14:useLocalDpi xmlns:a14="http://schemas.microsoft.com/office/drawing/2010/main" val="0"/>
               </a:ext>
             </a:extLst>
           </a:blip>
@@ -15337,7 +15241,7 @@
     </p:custDataLst>
     <p:extLst>
       <p:ext uri="{BB962C8B-B14F-4D97-AF65-F5344CB8AC3E}">
-        <p14:creationId xmlns:p14="http://schemas.microsoft.com/office/powerpoint/2010/main" xmlns="" val="896287612"/>
+        <p14:creationId xmlns:p14="http://schemas.microsoft.com/office/powerpoint/2010/main" val="896287612"/>
       </p:ext>
     </p:extLst>
   </p:cSld>
@@ -15467,7 +15371,7 @@
           <a:blip r:embed="rId3">
             <a:extLst>
               <a:ext uri="{28A0092B-C50C-407E-A947-70E740481C1C}">
-                <a14:useLocalDpi xmlns:a14="http://schemas.microsoft.com/office/drawing/2010/main" xmlns="" val="0"/>
+                <a14:useLocalDpi xmlns:a14="http://schemas.microsoft.com/office/drawing/2010/main" val="0"/>
               </a:ext>
             </a:extLst>
           </a:blip>
@@ -15496,7 +15400,7 @@
           <a:blip r:embed="rId4">
             <a:extLst>
               <a:ext uri="{28A0092B-C50C-407E-A947-70E740481C1C}">
-                <a14:useLocalDpi xmlns:a14="http://schemas.microsoft.com/office/drawing/2010/main" xmlns="" val="0"/>
+                <a14:useLocalDpi xmlns:a14="http://schemas.microsoft.com/office/drawing/2010/main" val="0"/>
               </a:ext>
             </a:extLst>
           </a:blip>
@@ -15526,7 +15430,7 @@
           <a:blip r:embed="rId5">
             <a:extLst>
               <a:ext uri="{28A0092B-C50C-407E-A947-70E740481C1C}">
-                <a14:useLocalDpi xmlns:a14="http://schemas.microsoft.com/office/drawing/2010/main" xmlns="" val="0"/>
+                <a14:useLocalDpi xmlns:a14="http://schemas.microsoft.com/office/drawing/2010/main" val="0"/>
               </a:ext>
             </a:extLst>
           </a:blip>
@@ -15674,7 +15578,7 @@
           <a:blip r:embed="rId3">
             <a:extLst>
               <a:ext uri="{28A0092B-C50C-407E-A947-70E740481C1C}">
-                <a14:useLocalDpi xmlns:a14="http://schemas.microsoft.com/office/drawing/2010/main" xmlns="" val="0"/>
+                <a14:useLocalDpi xmlns:a14="http://schemas.microsoft.com/office/drawing/2010/main" val="0"/>
               </a:ext>
             </a:extLst>
           </a:blip>
@@ -15703,7 +15607,7 @@
           <a:blip r:embed="rId4">
             <a:extLst>
               <a:ext uri="{28A0092B-C50C-407E-A947-70E740481C1C}">
-                <a14:useLocalDpi xmlns:a14="http://schemas.microsoft.com/office/drawing/2010/main" xmlns="" val="0"/>
+                <a14:useLocalDpi xmlns:a14="http://schemas.microsoft.com/office/drawing/2010/main" val="0"/>
               </a:ext>
             </a:extLst>
           </a:blip>
@@ -15732,7 +15636,7 @@
           <a:blip r:embed="rId5">
             <a:extLst>
               <a:ext uri="{28A0092B-C50C-407E-A947-70E740481C1C}">
-                <a14:useLocalDpi xmlns:a14="http://schemas.microsoft.com/office/drawing/2010/main" xmlns="" val="0"/>
+                <a14:useLocalDpi xmlns:a14="http://schemas.microsoft.com/office/drawing/2010/main" val="0"/>
               </a:ext>
             </a:extLst>
           </a:blip>
@@ -15755,7 +15659,7 @@
     </p:custDataLst>
     <p:extLst>
       <p:ext uri="{BB962C8B-B14F-4D97-AF65-F5344CB8AC3E}">
-        <p14:creationId xmlns:p14="http://schemas.microsoft.com/office/powerpoint/2010/main" xmlns="" val="3977528729"/>
+        <p14:creationId xmlns:p14="http://schemas.microsoft.com/office/powerpoint/2010/main" val="3977528729"/>
       </p:ext>
     </p:extLst>
   </p:cSld>
@@ -16429,7 +16333,7 @@
     </p:custDataLst>
     <p:extLst>
       <p:ext uri="{BB962C8B-B14F-4D97-AF65-F5344CB8AC3E}">
-        <p14:creationId xmlns:p14="http://schemas.microsoft.com/office/powerpoint/2010/main" xmlns="" val="937236211"/>
+        <p14:creationId xmlns:p14="http://schemas.microsoft.com/office/powerpoint/2010/main" val="937236211"/>
       </p:ext>
     </p:extLst>
   </p:cSld>
@@ -16574,7 +16478,7 @@
     </p:custDataLst>
     <p:extLst>
       <p:ext uri="{BB962C8B-B14F-4D97-AF65-F5344CB8AC3E}">
-        <p14:creationId xmlns:p14="http://schemas.microsoft.com/office/powerpoint/2010/main" xmlns="" val="1070890847"/>
+        <p14:creationId xmlns:p14="http://schemas.microsoft.com/office/powerpoint/2010/main" val="1070890847"/>
       </p:ext>
     </p:extLst>
   </p:cSld>
@@ -16826,7 +16730,7 @@
           <a:blip r:embed="rId3">
             <a:extLst>
               <a:ext uri="{28A0092B-C50C-407E-A947-70E740481C1C}">
-                <a14:useLocalDpi xmlns:a14="http://schemas.microsoft.com/office/drawing/2010/main" xmlns="" val="0"/>
+                <a14:useLocalDpi xmlns:a14="http://schemas.microsoft.com/office/drawing/2010/main" val="0"/>
               </a:ext>
             </a:extLst>
           </a:blip>
@@ -16932,7 +16836,7 @@
     </p:custDataLst>
     <p:extLst>
       <p:ext uri="{BB962C8B-B14F-4D97-AF65-F5344CB8AC3E}">
-        <p14:creationId xmlns:p14="http://schemas.microsoft.com/office/powerpoint/2010/main" xmlns="" val="1277457210"/>
+        <p14:creationId xmlns:p14="http://schemas.microsoft.com/office/powerpoint/2010/main" val="1277457210"/>
       </p:ext>
     </p:extLst>
   </p:cSld>
@@ -17351,7 +17255,7 @@
     </p:custDataLst>
     <p:extLst>
       <p:ext uri="{BB962C8B-B14F-4D97-AF65-F5344CB8AC3E}">
-        <p14:creationId xmlns:p14="http://schemas.microsoft.com/office/powerpoint/2010/main" xmlns="" val="2692412562"/>
+        <p14:creationId xmlns:p14="http://schemas.microsoft.com/office/powerpoint/2010/main" val="2692412562"/>
       </p:ext>
     </p:extLst>
   </p:cSld>
